--- a/slides/Slot 23_24_25-Collections_Final.pptx
+++ b/slides/Slot 23_24_25-Collections_Final.pptx
@@ -309,7 +309,7 @@
             <a:fld id="{671A1E54-5B88-4DCC-8136-E426A019C818}" type="datetimeFigureOut">
               <a:rPr lang="en-US" smtClean="0"/>
               <a:pPr/>
-              <a:t>6/25/2024</a:t>
+              <a:t>10/19/2024</a:t>
             </a:fld>
             <a:endParaRPr lang="en-US" dirty="0"/>
           </a:p>
@@ -489,7 +489,7 @@
               <a:pPr>
                 <a:defRPr/>
               </a:pPr>
-              <a:t>6/25/2024</a:t>
+              <a:t>10/19/2024</a:t>
             </a:fld>
             <a:endParaRPr lang="en-US" dirty="0"/>
           </a:p>
@@ -15668,7 +15668,7 @@
         <p:spPr>
           <a:xfrm>
             <a:off x="457200" y="1219200"/>
-            <a:ext cx="8229600" cy="5181600"/>
+            <a:ext cx="8229600" cy="4191000"/>
           </a:xfrm>
         </p:spPr>
         <p:txBody>
@@ -15694,7 +15694,7 @@
               <a:rPr lang="en-US" sz="2300" dirty="0">
                 <a:latin typeface="Calibri" pitchFamily="34" charset="0"/>
               </a:rPr>
-              <a:t> by providing useful data structures and algorithms so you don't have to write them yourself. </a:t>
+              <a:t> by providing useful data structures and algorithms so you don't have to write them yourself.</a:t>
             </a:r>
           </a:p>
           <a:p>
@@ -15717,7 +15717,7 @@
               <a:rPr lang="en-US" sz="2300" dirty="0">
                 <a:latin typeface="Calibri" pitchFamily="34" charset="0"/>
               </a:rPr>
-              <a:t> by providing high-performance implementations of useful data structures and algorithms. </a:t>
+              <a:t> by providing high-performance implementations of useful data structures and algorithms.</a:t>
             </a:r>
           </a:p>
           <a:p>
@@ -15740,7 +15740,7 @@
               <a:rPr lang="en-US" sz="2300" dirty="0">
                 <a:latin typeface="Calibri" pitchFamily="34" charset="0"/>
               </a:rPr>
-              <a:t> by establishing a common language to pass collections back and forth. </a:t>
+              <a:t> by establishing a common language to pass collections back and forth.</a:t>
             </a:r>
           </a:p>
           <a:p>
@@ -15763,7 +15763,7 @@
               <a:rPr lang="en-US" sz="2300" dirty="0">
                 <a:latin typeface="Calibri" pitchFamily="34" charset="0"/>
               </a:rPr>
-              <a:t> by eliminating the need to learn multiple ad hoc collection APIs. </a:t>
+              <a:t> by eliminating the need to learn multiple ad hoc collection APIs.</a:t>
             </a:r>
           </a:p>
           <a:p>
@@ -15786,7 +15786,7 @@
               <a:rPr lang="en-US" sz="2300" dirty="0">
                 <a:latin typeface="Calibri" pitchFamily="34" charset="0"/>
               </a:rPr>
-              <a:t> by eliminating the need to produce ad hoc collections APIs. </a:t>
+              <a:t> by eliminating the need to produce ad hoc collections APIs.</a:t>
             </a:r>
           </a:p>
           <a:p>
